--- a/GitHub/images/docker-presentation.pptx
+++ b/GitHub/images/docker-presentation.pptx
@@ -30,6 +30,12 @@
     <p:sldId id="289" r:id="rId24"/>
     <p:sldId id="290" r:id="rId25"/>
     <p:sldId id="291" r:id="rId26"/>
+    <p:sldId id="292" r:id="rId27"/>
+    <p:sldId id="293" r:id="rId28"/>
+    <p:sldId id="294" r:id="rId29"/>
+    <p:sldId id="295" r:id="rId30"/>
+    <p:sldId id="296" r:id="rId31"/>
+    <p:sldId id="297" r:id="rId32"/>
   </p:sldIdLst>
   <p:sldSz cx="9144000" cy="6858000" type="screen4x3"/>
   <p:notesSz cx="6858000" cy="9144000"/>
@@ -313,7 +319,7 @@
             <a:fld id="{7B89AAB0-1D19-408B-9BDB-C82D88E7933C}" type="datetimeFigureOut">
               <a:rPr lang="en-US" smtClean="0"/>
               <a:pPr/>
-              <a:t>7/16/2019</a:t>
+              <a:t>7/17/2019</a:t>
             </a:fld>
             <a:endParaRPr lang="en-US"/>
           </a:p>
@@ -480,7 +486,7 @@
             <a:fld id="{7B89AAB0-1D19-408B-9BDB-C82D88E7933C}" type="datetimeFigureOut">
               <a:rPr lang="en-US" smtClean="0"/>
               <a:pPr/>
-              <a:t>7/16/2019</a:t>
+              <a:t>7/17/2019</a:t>
             </a:fld>
             <a:endParaRPr lang="en-US"/>
           </a:p>
@@ -657,7 +663,7 @@
             <a:fld id="{7B89AAB0-1D19-408B-9BDB-C82D88E7933C}" type="datetimeFigureOut">
               <a:rPr lang="en-US" smtClean="0"/>
               <a:pPr/>
-              <a:t>7/16/2019</a:t>
+              <a:t>7/17/2019</a:t>
             </a:fld>
             <a:endParaRPr lang="en-US"/>
           </a:p>
@@ -824,7 +830,7 @@
             <a:fld id="{7B89AAB0-1D19-408B-9BDB-C82D88E7933C}" type="datetimeFigureOut">
               <a:rPr lang="en-US" smtClean="0"/>
               <a:pPr/>
-              <a:t>7/16/2019</a:t>
+              <a:t>7/17/2019</a:t>
             </a:fld>
             <a:endParaRPr lang="en-US"/>
           </a:p>
@@ -1067,7 +1073,7 @@
             <a:fld id="{7B89AAB0-1D19-408B-9BDB-C82D88E7933C}" type="datetimeFigureOut">
               <a:rPr lang="en-US" smtClean="0"/>
               <a:pPr/>
-              <a:t>7/16/2019</a:t>
+              <a:t>7/17/2019</a:t>
             </a:fld>
             <a:endParaRPr lang="en-US"/>
           </a:p>
@@ -1352,7 +1358,7 @@
             <a:fld id="{7B89AAB0-1D19-408B-9BDB-C82D88E7933C}" type="datetimeFigureOut">
               <a:rPr lang="en-US" smtClean="0"/>
               <a:pPr/>
-              <a:t>7/16/2019</a:t>
+              <a:t>7/17/2019</a:t>
             </a:fld>
             <a:endParaRPr lang="en-US"/>
           </a:p>
@@ -1771,7 +1777,7 @@
             <a:fld id="{7B89AAB0-1D19-408B-9BDB-C82D88E7933C}" type="datetimeFigureOut">
               <a:rPr lang="en-US" smtClean="0"/>
               <a:pPr/>
-              <a:t>7/16/2019</a:t>
+              <a:t>7/17/2019</a:t>
             </a:fld>
             <a:endParaRPr lang="en-US"/>
           </a:p>
@@ -1886,7 +1892,7 @@
             <a:fld id="{7B89AAB0-1D19-408B-9BDB-C82D88E7933C}" type="datetimeFigureOut">
               <a:rPr lang="en-US" smtClean="0"/>
               <a:pPr/>
-              <a:t>7/16/2019</a:t>
+              <a:t>7/17/2019</a:t>
             </a:fld>
             <a:endParaRPr lang="en-US"/>
           </a:p>
@@ -1978,7 +1984,7 @@
             <a:fld id="{7B89AAB0-1D19-408B-9BDB-C82D88E7933C}" type="datetimeFigureOut">
               <a:rPr lang="en-US" smtClean="0"/>
               <a:pPr/>
-              <a:t>7/16/2019</a:t>
+              <a:t>7/17/2019</a:t>
             </a:fld>
             <a:endParaRPr lang="en-US"/>
           </a:p>
@@ -2252,7 +2258,7 @@
             <a:fld id="{7B89AAB0-1D19-408B-9BDB-C82D88E7933C}" type="datetimeFigureOut">
               <a:rPr lang="en-US" smtClean="0"/>
               <a:pPr/>
-              <a:t>7/16/2019</a:t>
+              <a:t>7/17/2019</a:t>
             </a:fld>
             <a:endParaRPr lang="en-US"/>
           </a:p>
@@ -2502,7 +2508,7 @@
             <a:fld id="{7B89AAB0-1D19-408B-9BDB-C82D88E7933C}" type="datetimeFigureOut">
               <a:rPr lang="en-US" smtClean="0"/>
               <a:pPr/>
-              <a:t>7/16/2019</a:t>
+              <a:t>7/17/2019</a:t>
             </a:fld>
             <a:endParaRPr lang="en-US"/>
           </a:p>
@@ -2712,7 +2718,7 @@
             <a:fld id="{7B89AAB0-1D19-408B-9BDB-C82D88E7933C}" type="datetimeFigureOut">
               <a:rPr lang="en-US" smtClean="0"/>
               <a:pPr/>
-              <a:t>7/16/2019</a:t>
+              <a:t>7/17/2019</a:t>
             </a:fld>
             <a:endParaRPr lang="en-US"/>
           </a:p>
@@ -4801,6 +4807,78 @@
           <a:chExt cx="0" cy="0"/>
         </a:xfrm>
       </p:grpSpPr>
+      <p:pic>
+        <p:nvPicPr>
+          <p:cNvPr id="1026" name="Picture 2" descr="C:\Users\surya\Desktop\docker\net1.PNG"/>
+          <p:cNvPicPr>
+            <a:picLocks noChangeAspect="1" noChangeArrowheads="1"/>
+          </p:cNvPicPr>
+          <p:nvPr/>
+        </p:nvPicPr>
+        <p:blipFill>
+          <a:blip r:embed="rId2"/>
+          <a:srcRect/>
+          <a:stretch>
+            <a:fillRect/>
+          </a:stretch>
+        </p:blipFill>
+        <p:spPr bwMode="auto">
+          <a:xfrm>
+            <a:off x="381000" y="1828800"/>
+            <a:ext cx="8552537" cy="4343400"/>
+          </a:xfrm>
+          <a:prstGeom prst="rect">
+            <a:avLst/>
+          </a:prstGeom>
+          <a:noFill/>
+        </p:spPr>
+      </p:pic>
+      <p:sp>
+        <p:nvSpPr>
+          <p:cNvPr id="3" name="TextBox 2"/>
+          <p:cNvSpPr txBox="1"/>
+          <p:nvPr/>
+        </p:nvSpPr>
+        <p:spPr>
+          <a:xfrm>
+            <a:off x="228600" y="685800"/>
+            <a:ext cx="4019242" cy="584775"/>
+          </a:xfrm>
+          <a:prstGeom prst="rect">
+            <a:avLst/>
+          </a:prstGeom>
+          <a:noFill/>
+        </p:spPr>
+        <p:txBody>
+          <a:bodyPr wrap="none" rtlCol="0">
+            <a:spAutoFit/>
+          </a:bodyPr>
+          <a:lstStyle/>
+          <a:p>
+            <a:r>
+              <a:rPr lang="en-US" sz="3200" b="1" dirty="0" err="1" smtClean="0">
+                <a:solidFill>
+                  <a:srgbClr val="00B050"/>
+                </a:solidFill>
+              </a:rPr>
+              <a:t>Docker</a:t>
+            </a:r>
+            <a:r>
+              <a:rPr lang="en-US" sz="3200" b="1" dirty="0" smtClean="0">
+                <a:solidFill>
+                  <a:srgbClr val="00B050"/>
+                </a:solidFill>
+              </a:rPr>
+              <a:t> Network Types</a:t>
+            </a:r>
+            <a:endParaRPr lang="en-US" sz="3200" b="1" dirty="0">
+              <a:solidFill>
+                <a:srgbClr val="00B050"/>
+              </a:solidFill>
+            </a:endParaRPr>
+          </a:p>
+        </p:txBody>
+      </p:sp>
     </p:spTree>
   </p:cSld>
   <p:clrMapOvr>
@@ -4826,6 +4904,96 @@
           <a:chExt cx="0" cy="0"/>
         </a:xfrm>
       </p:grpSpPr>
+      <p:pic>
+        <p:nvPicPr>
+          <p:cNvPr id="2050" name="Picture 2" descr="C:\Users\surya\Desktop\docker\images (1).png"/>
+          <p:cNvPicPr>
+            <a:picLocks noChangeAspect="1" noChangeArrowheads="1"/>
+          </p:cNvPicPr>
+          <p:nvPr/>
+        </p:nvPicPr>
+        <p:blipFill>
+          <a:blip r:embed="rId2"/>
+          <a:srcRect/>
+          <a:stretch>
+            <a:fillRect/>
+          </a:stretch>
+        </p:blipFill>
+        <p:spPr bwMode="auto">
+          <a:xfrm>
+            <a:off x="228600" y="838200"/>
+            <a:ext cx="8359817" cy="4843462"/>
+          </a:xfrm>
+          <a:prstGeom prst="rect">
+            <a:avLst/>
+          </a:prstGeom>
+          <a:noFill/>
+        </p:spPr>
+      </p:pic>
+      <p:cxnSp>
+        <p:nvCxnSpPr>
+          <p:cNvPr id="7" name="Straight Connector 6"/>
+          <p:cNvCxnSpPr/>
+          <p:nvPr/>
+        </p:nvCxnSpPr>
+        <p:spPr>
+          <a:xfrm rot="10800000" flipV="1">
+            <a:off x="5943600" y="3733800"/>
+            <a:ext cx="914400" cy="381000"/>
+          </a:xfrm>
+          <a:prstGeom prst="line">
+            <a:avLst/>
+          </a:prstGeom>
+        </p:spPr>
+        <p:style>
+          <a:lnRef idx="1">
+            <a:schemeClr val="accent1"/>
+          </a:lnRef>
+          <a:fillRef idx="0">
+            <a:schemeClr val="accent1"/>
+          </a:fillRef>
+          <a:effectRef idx="0">
+            <a:schemeClr val="accent1"/>
+          </a:effectRef>
+          <a:fontRef idx="minor">
+            <a:schemeClr val="tx1"/>
+          </a:fontRef>
+        </p:style>
+      </p:cxnSp>
+      <p:sp>
+        <p:nvSpPr>
+          <p:cNvPr id="8" name="TextBox 7"/>
+          <p:cNvSpPr txBox="1"/>
+          <p:nvPr/>
+        </p:nvSpPr>
+        <p:spPr>
+          <a:xfrm>
+            <a:off x="5410200" y="4191000"/>
+            <a:ext cx="1107996" cy="369332"/>
+          </a:xfrm>
+          <a:prstGeom prst="rect">
+            <a:avLst/>
+          </a:prstGeom>
+          <a:noFill/>
+        </p:spPr>
+        <p:txBody>
+          <a:bodyPr wrap="none" rtlCol="0">
+            <a:spAutoFit/>
+          </a:bodyPr>
+          <a:lstStyle/>
+          <a:p>
+            <a:r>
+              <a:rPr lang="en-US" b="1" dirty="0" err="1" smtClean="0"/>
+              <a:t>Macvlan</a:t>
+            </a:r>
+            <a:r>
+              <a:rPr lang="en-US" b="1" dirty="0" smtClean="0"/>
+              <a:t>	</a:t>
+            </a:r>
+            <a:endParaRPr lang="en-US" b="1" dirty="0"/>
+          </a:p>
+        </p:txBody>
+      </p:sp>
     </p:spTree>
   </p:cSld>
   <p:clrMapOvr>
@@ -4851,6 +5019,236 @@
           <a:chExt cx="0" cy="0"/>
         </a:xfrm>
       </p:grpSpPr>
+      <p:pic>
+        <p:nvPicPr>
+          <p:cNvPr id="3075" name="Picture 3" descr="C:\Users\surya\Desktop\docker\br.PNG"/>
+          <p:cNvPicPr>
+            <a:picLocks noChangeAspect="1" noChangeArrowheads="1"/>
+          </p:cNvPicPr>
+          <p:nvPr/>
+        </p:nvPicPr>
+        <p:blipFill>
+          <a:blip r:embed="rId2"/>
+          <a:srcRect/>
+          <a:stretch>
+            <a:fillRect/>
+          </a:stretch>
+        </p:blipFill>
+        <p:spPr bwMode="auto">
+          <a:xfrm>
+            <a:off x="304800" y="1371600"/>
+            <a:ext cx="8562356" cy="4294922"/>
+          </a:xfrm>
+          <a:prstGeom prst="rect">
+            <a:avLst/>
+          </a:prstGeom>
+          <a:noFill/>
+        </p:spPr>
+      </p:pic>
+    </p:spTree>
+  </p:cSld>
+  <p:clrMapOvr>
+    <a:masterClrMapping/>
+  </p:clrMapOvr>
+</p:sld>
+</file>
+
+<file path=ppt/slides/slide26.xml><?xml version="1.0" encoding="utf-8"?>
+<p:sld xmlns:a="http://schemas.openxmlformats.org/drawingml/2006/main" xmlns:r="http://schemas.openxmlformats.org/officeDocument/2006/relationships" xmlns:p="http://schemas.openxmlformats.org/presentationml/2006/main">
+  <p:cSld>
+    <p:spTree>
+      <p:nvGrpSpPr>
+        <p:cNvPr id="1" name=""/>
+        <p:cNvGrpSpPr/>
+        <p:nvPr/>
+      </p:nvGrpSpPr>
+      <p:grpSpPr>
+        <a:xfrm>
+          <a:off x="0" y="0"/>
+          <a:ext cx="0" cy="0"/>
+          <a:chOff x="0" y="0"/>
+          <a:chExt cx="0" cy="0"/>
+        </a:xfrm>
+      </p:grpSpPr>
+      <p:pic>
+        <p:nvPicPr>
+          <p:cNvPr id="4099" name="Picture 3" descr="C:\Users\surya\Desktop\docker\ho.PNG"/>
+          <p:cNvPicPr>
+            <a:picLocks noChangeAspect="1" noChangeArrowheads="1"/>
+          </p:cNvPicPr>
+          <p:nvPr/>
+        </p:nvPicPr>
+        <p:blipFill>
+          <a:blip r:embed="rId2"/>
+          <a:srcRect/>
+          <a:stretch>
+            <a:fillRect/>
+          </a:stretch>
+        </p:blipFill>
+        <p:spPr bwMode="auto">
+          <a:xfrm>
+            <a:off x="209611" y="1143000"/>
+            <a:ext cx="8934389" cy="4438650"/>
+          </a:xfrm>
+          <a:prstGeom prst="rect">
+            <a:avLst/>
+          </a:prstGeom>
+          <a:noFill/>
+        </p:spPr>
+      </p:pic>
+    </p:spTree>
+  </p:cSld>
+  <p:clrMapOvr>
+    <a:masterClrMapping/>
+  </p:clrMapOvr>
+</p:sld>
+</file>
+
+<file path=ppt/slides/slide27.xml><?xml version="1.0" encoding="utf-8"?>
+<p:sld xmlns:a="http://schemas.openxmlformats.org/drawingml/2006/main" xmlns:r="http://schemas.openxmlformats.org/officeDocument/2006/relationships" xmlns:p="http://schemas.openxmlformats.org/presentationml/2006/main">
+  <p:cSld>
+    <p:spTree>
+      <p:nvGrpSpPr>
+        <p:cNvPr id="1" name=""/>
+        <p:cNvGrpSpPr/>
+        <p:nvPr/>
+      </p:nvGrpSpPr>
+      <p:grpSpPr>
+        <a:xfrm>
+          <a:off x="0" y="0"/>
+          <a:ext cx="0" cy="0"/>
+          <a:chOff x="0" y="0"/>
+          <a:chExt cx="0" cy="0"/>
+        </a:xfrm>
+      </p:grpSpPr>
+      <p:pic>
+        <p:nvPicPr>
+          <p:cNvPr id="5122" name="Picture 2" descr="C:\Users\surya\Desktop\docker\no.PNG"/>
+          <p:cNvPicPr>
+            <a:picLocks noChangeAspect="1" noChangeArrowheads="1"/>
+          </p:cNvPicPr>
+          <p:nvPr/>
+        </p:nvPicPr>
+        <p:blipFill>
+          <a:blip r:embed="rId2"/>
+          <a:srcRect/>
+          <a:stretch>
+            <a:fillRect/>
+          </a:stretch>
+        </p:blipFill>
+        <p:spPr bwMode="auto">
+          <a:xfrm>
+            <a:off x="0" y="1295400"/>
+            <a:ext cx="9113221" cy="4552950"/>
+          </a:xfrm>
+          <a:prstGeom prst="rect">
+            <a:avLst/>
+          </a:prstGeom>
+          <a:noFill/>
+        </p:spPr>
+      </p:pic>
+    </p:spTree>
+  </p:cSld>
+  <p:clrMapOvr>
+    <a:masterClrMapping/>
+  </p:clrMapOvr>
+</p:sld>
+</file>
+
+<file path=ppt/slides/slide28.xml><?xml version="1.0" encoding="utf-8"?>
+<p:sld xmlns:a="http://schemas.openxmlformats.org/drawingml/2006/main" xmlns:r="http://schemas.openxmlformats.org/officeDocument/2006/relationships" xmlns:p="http://schemas.openxmlformats.org/presentationml/2006/main">
+  <p:cSld>
+    <p:spTree>
+      <p:nvGrpSpPr>
+        <p:cNvPr id="1" name=""/>
+        <p:cNvGrpSpPr/>
+        <p:nvPr/>
+      </p:nvGrpSpPr>
+      <p:grpSpPr>
+        <a:xfrm>
+          <a:off x="0" y="0"/>
+          <a:ext cx="0" cy="0"/>
+          <a:chOff x="0" y="0"/>
+          <a:chExt cx="0" cy="0"/>
+        </a:xfrm>
+      </p:grpSpPr>
+      <p:pic>
+        <p:nvPicPr>
+          <p:cNvPr id="6147" name="Picture 3" descr="C:\Users\surya\Desktop\docker\ove.PNG"/>
+          <p:cNvPicPr>
+            <a:picLocks noChangeAspect="1" noChangeArrowheads="1"/>
+          </p:cNvPicPr>
+          <p:nvPr/>
+        </p:nvPicPr>
+        <p:blipFill>
+          <a:blip r:embed="rId2"/>
+          <a:srcRect/>
+          <a:stretch>
+            <a:fillRect/>
+          </a:stretch>
+        </p:blipFill>
+        <p:spPr bwMode="auto">
+          <a:xfrm>
+            <a:off x="202394" y="1295400"/>
+            <a:ext cx="8941606" cy="4562475"/>
+          </a:xfrm>
+          <a:prstGeom prst="rect">
+            <a:avLst/>
+          </a:prstGeom>
+          <a:noFill/>
+        </p:spPr>
+      </p:pic>
+    </p:spTree>
+  </p:cSld>
+  <p:clrMapOvr>
+    <a:masterClrMapping/>
+  </p:clrMapOvr>
+</p:sld>
+</file>
+
+<file path=ppt/slides/slide29.xml><?xml version="1.0" encoding="utf-8"?>
+<p:sld xmlns:a="http://schemas.openxmlformats.org/drawingml/2006/main" xmlns:r="http://schemas.openxmlformats.org/officeDocument/2006/relationships" xmlns:p="http://schemas.openxmlformats.org/presentationml/2006/main">
+  <p:cSld>
+    <p:spTree>
+      <p:nvGrpSpPr>
+        <p:cNvPr id="1" name=""/>
+        <p:cNvGrpSpPr/>
+        <p:nvPr/>
+      </p:nvGrpSpPr>
+      <p:grpSpPr>
+        <a:xfrm>
+          <a:off x="0" y="0"/>
+          <a:ext cx="0" cy="0"/>
+          <a:chOff x="0" y="0"/>
+          <a:chExt cx="0" cy="0"/>
+        </a:xfrm>
+      </p:grpSpPr>
+      <p:pic>
+        <p:nvPicPr>
+          <p:cNvPr id="7171" name="Picture 3" descr="C:\Users\surya\Desktop\docker\gat.PNG"/>
+          <p:cNvPicPr>
+            <a:picLocks noChangeAspect="1" noChangeArrowheads="1"/>
+          </p:cNvPicPr>
+          <p:nvPr/>
+        </p:nvPicPr>
+        <p:blipFill>
+          <a:blip r:embed="rId2"/>
+          <a:srcRect/>
+          <a:stretch>
+            <a:fillRect/>
+          </a:stretch>
+        </p:blipFill>
+        <p:spPr bwMode="auto">
+          <a:xfrm>
+            <a:off x="228601" y="1219200"/>
+            <a:ext cx="8915400" cy="4343400"/>
+          </a:xfrm>
+          <a:prstGeom prst="rect">
+            <a:avLst/>
+          </a:prstGeom>
+          <a:noFill/>
+        </p:spPr>
+      </p:pic>
     </p:spTree>
   </p:cSld>
   <p:clrMapOvr>
@@ -4902,6 +5300,82 @@
           <a:noFill/>
         </p:spPr>
       </p:pic>
+    </p:spTree>
+  </p:cSld>
+  <p:clrMapOvr>
+    <a:masterClrMapping/>
+  </p:clrMapOvr>
+</p:sld>
+</file>
+
+<file path=ppt/slides/slide30.xml><?xml version="1.0" encoding="utf-8"?>
+<p:sld xmlns:a="http://schemas.openxmlformats.org/drawingml/2006/main" xmlns:r="http://schemas.openxmlformats.org/officeDocument/2006/relationships" xmlns:p="http://schemas.openxmlformats.org/presentationml/2006/main">
+  <p:cSld>
+    <p:spTree>
+      <p:nvGrpSpPr>
+        <p:cNvPr id="1" name=""/>
+        <p:cNvGrpSpPr/>
+        <p:nvPr/>
+      </p:nvGrpSpPr>
+      <p:grpSpPr>
+        <a:xfrm>
+          <a:off x="0" y="0"/>
+          <a:ext cx="0" cy="0"/>
+          <a:chOff x="0" y="0"/>
+          <a:chExt cx="0" cy="0"/>
+        </a:xfrm>
+      </p:grpSpPr>
+      <p:pic>
+        <p:nvPicPr>
+          <p:cNvPr id="8194" name="Picture 2" descr="C:\Users\surya\Desktop\docker\com.PNG"/>
+          <p:cNvPicPr>
+            <a:picLocks noChangeAspect="1" noChangeArrowheads="1"/>
+          </p:cNvPicPr>
+          <p:nvPr/>
+        </p:nvPicPr>
+        <p:blipFill>
+          <a:blip r:embed="rId2"/>
+          <a:srcRect/>
+          <a:stretch>
+            <a:fillRect/>
+          </a:stretch>
+        </p:blipFill>
+        <p:spPr bwMode="auto">
+          <a:xfrm>
+            <a:off x="304800" y="505567"/>
+            <a:ext cx="8720786" cy="5438033"/>
+          </a:xfrm>
+          <a:prstGeom prst="rect">
+            <a:avLst/>
+          </a:prstGeom>
+          <a:noFill/>
+        </p:spPr>
+      </p:pic>
+    </p:spTree>
+  </p:cSld>
+  <p:clrMapOvr>
+    <a:masterClrMapping/>
+  </p:clrMapOvr>
+</p:sld>
+</file>
+
+<file path=ppt/slides/slide31.xml><?xml version="1.0" encoding="utf-8"?>
+<p:sld xmlns:a="http://schemas.openxmlformats.org/drawingml/2006/main" xmlns:r="http://schemas.openxmlformats.org/officeDocument/2006/relationships" xmlns:p="http://schemas.openxmlformats.org/presentationml/2006/main">
+  <p:cSld>
+    <p:spTree>
+      <p:nvGrpSpPr>
+        <p:cNvPr id="1" name=""/>
+        <p:cNvGrpSpPr/>
+        <p:nvPr/>
+      </p:nvGrpSpPr>
+      <p:grpSpPr>
+        <a:xfrm>
+          <a:off x="0" y="0"/>
+          <a:ext cx="0" cy="0"/>
+          <a:chOff x="0" y="0"/>
+          <a:chExt cx="0" cy="0"/>
+        </a:xfrm>
+      </p:grpSpPr>
     </p:spTree>
   </p:cSld>
   <p:clrMapOvr>

--- a/GitHub/images/docker-presentation.pptx
+++ b/GitHub/images/docker-presentation.pptx
@@ -30,12 +30,6 @@
     <p:sldId id="289" r:id="rId24"/>
     <p:sldId id="290" r:id="rId25"/>
     <p:sldId id="291" r:id="rId26"/>
-    <p:sldId id="292" r:id="rId27"/>
-    <p:sldId id="293" r:id="rId28"/>
-    <p:sldId id="294" r:id="rId29"/>
-    <p:sldId id="295" r:id="rId30"/>
-    <p:sldId id="296" r:id="rId31"/>
-    <p:sldId id="297" r:id="rId32"/>
   </p:sldIdLst>
   <p:sldSz cx="9144000" cy="6858000" type="screen4x3"/>
   <p:notesSz cx="6858000" cy="9144000"/>
@@ -319,7 +313,7 @@
             <a:fld id="{7B89AAB0-1D19-408B-9BDB-C82D88E7933C}" type="datetimeFigureOut">
               <a:rPr lang="en-US" smtClean="0"/>
               <a:pPr/>
-              <a:t>7/17/2019</a:t>
+              <a:t>7/16/2019</a:t>
             </a:fld>
             <a:endParaRPr lang="en-US"/>
           </a:p>
@@ -486,7 +480,7 @@
             <a:fld id="{7B89AAB0-1D19-408B-9BDB-C82D88E7933C}" type="datetimeFigureOut">
               <a:rPr lang="en-US" smtClean="0"/>
               <a:pPr/>
-              <a:t>7/17/2019</a:t>
+              <a:t>7/16/2019</a:t>
             </a:fld>
             <a:endParaRPr lang="en-US"/>
           </a:p>
@@ -663,7 +657,7 @@
             <a:fld id="{7B89AAB0-1D19-408B-9BDB-C82D88E7933C}" type="datetimeFigureOut">
               <a:rPr lang="en-US" smtClean="0"/>
               <a:pPr/>
-              <a:t>7/17/2019</a:t>
+              <a:t>7/16/2019</a:t>
             </a:fld>
             <a:endParaRPr lang="en-US"/>
           </a:p>
@@ -830,7 +824,7 @@
             <a:fld id="{7B89AAB0-1D19-408B-9BDB-C82D88E7933C}" type="datetimeFigureOut">
               <a:rPr lang="en-US" smtClean="0"/>
               <a:pPr/>
-              <a:t>7/17/2019</a:t>
+              <a:t>7/16/2019</a:t>
             </a:fld>
             <a:endParaRPr lang="en-US"/>
           </a:p>
@@ -1073,7 +1067,7 @@
             <a:fld id="{7B89AAB0-1D19-408B-9BDB-C82D88E7933C}" type="datetimeFigureOut">
               <a:rPr lang="en-US" smtClean="0"/>
               <a:pPr/>
-              <a:t>7/17/2019</a:t>
+              <a:t>7/16/2019</a:t>
             </a:fld>
             <a:endParaRPr lang="en-US"/>
           </a:p>
@@ -1358,7 +1352,7 @@
             <a:fld id="{7B89AAB0-1D19-408B-9BDB-C82D88E7933C}" type="datetimeFigureOut">
               <a:rPr lang="en-US" smtClean="0"/>
               <a:pPr/>
-              <a:t>7/17/2019</a:t>
+              <a:t>7/16/2019</a:t>
             </a:fld>
             <a:endParaRPr lang="en-US"/>
           </a:p>
@@ -1777,7 +1771,7 @@
             <a:fld id="{7B89AAB0-1D19-408B-9BDB-C82D88E7933C}" type="datetimeFigureOut">
               <a:rPr lang="en-US" smtClean="0"/>
               <a:pPr/>
-              <a:t>7/17/2019</a:t>
+              <a:t>7/16/2019</a:t>
             </a:fld>
             <a:endParaRPr lang="en-US"/>
           </a:p>
@@ -1892,7 +1886,7 @@
             <a:fld id="{7B89AAB0-1D19-408B-9BDB-C82D88E7933C}" type="datetimeFigureOut">
               <a:rPr lang="en-US" smtClean="0"/>
               <a:pPr/>
-              <a:t>7/17/2019</a:t>
+              <a:t>7/16/2019</a:t>
             </a:fld>
             <a:endParaRPr lang="en-US"/>
           </a:p>
@@ -1984,7 +1978,7 @@
             <a:fld id="{7B89AAB0-1D19-408B-9BDB-C82D88E7933C}" type="datetimeFigureOut">
               <a:rPr lang="en-US" smtClean="0"/>
               <a:pPr/>
-              <a:t>7/17/2019</a:t>
+              <a:t>7/16/2019</a:t>
             </a:fld>
             <a:endParaRPr lang="en-US"/>
           </a:p>
@@ -2258,7 +2252,7 @@
             <a:fld id="{7B89AAB0-1D19-408B-9BDB-C82D88E7933C}" type="datetimeFigureOut">
               <a:rPr lang="en-US" smtClean="0"/>
               <a:pPr/>
-              <a:t>7/17/2019</a:t>
+              <a:t>7/16/2019</a:t>
             </a:fld>
             <a:endParaRPr lang="en-US"/>
           </a:p>
@@ -2508,7 +2502,7 @@
             <a:fld id="{7B89AAB0-1D19-408B-9BDB-C82D88E7933C}" type="datetimeFigureOut">
               <a:rPr lang="en-US" smtClean="0"/>
               <a:pPr/>
-              <a:t>7/17/2019</a:t>
+              <a:t>7/16/2019</a:t>
             </a:fld>
             <a:endParaRPr lang="en-US"/>
           </a:p>
@@ -2718,7 +2712,7 @@
             <a:fld id="{7B89AAB0-1D19-408B-9BDB-C82D88E7933C}" type="datetimeFigureOut">
               <a:rPr lang="en-US" smtClean="0"/>
               <a:pPr/>
-              <a:t>7/17/2019</a:t>
+              <a:t>7/16/2019</a:t>
             </a:fld>
             <a:endParaRPr lang="en-US"/>
           </a:p>
@@ -4807,78 +4801,6 @@
           <a:chExt cx="0" cy="0"/>
         </a:xfrm>
       </p:grpSpPr>
-      <p:pic>
-        <p:nvPicPr>
-          <p:cNvPr id="1026" name="Picture 2" descr="C:\Users\surya\Desktop\docker\net1.PNG"/>
-          <p:cNvPicPr>
-            <a:picLocks noChangeAspect="1" noChangeArrowheads="1"/>
-          </p:cNvPicPr>
-          <p:nvPr/>
-        </p:nvPicPr>
-        <p:blipFill>
-          <a:blip r:embed="rId2"/>
-          <a:srcRect/>
-          <a:stretch>
-            <a:fillRect/>
-          </a:stretch>
-        </p:blipFill>
-        <p:spPr bwMode="auto">
-          <a:xfrm>
-            <a:off x="381000" y="1828800"/>
-            <a:ext cx="8552537" cy="4343400"/>
-          </a:xfrm>
-          <a:prstGeom prst="rect">
-            <a:avLst/>
-          </a:prstGeom>
-          <a:noFill/>
-        </p:spPr>
-      </p:pic>
-      <p:sp>
-        <p:nvSpPr>
-          <p:cNvPr id="3" name="TextBox 2"/>
-          <p:cNvSpPr txBox="1"/>
-          <p:nvPr/>
-        </p:nvSpPr>
-        <p:spPr>
-          <a:xfrm>
-            <a:off x="228600" y="685800"/>
-            <a:ext cx="4019242" cy="584775"/>
-          </a:xfrm>
-          <a:prstGeom prst="rect">
-            <a:avLst/>
-          </a:prstGeom>
-          <a:noFill/>
-        </p:spPr>
-        <p:txBody>
-          <a:bodyPr wrap="none" rtlCol="0">
-            <a:spAutoFit/>
-          </a:bodyPr>
-          <a:lstStyle/>
-          <a:p>
-            <a:r>
-              <a:rPr lang="en-US" sz="3200" b="1" dirty="0" err="1" smtClean="0">
-                <a:solidFill>
-                  <a:srgbClr val="00B050"/>
-                </a:solidFill>
-              </a:rPr>
-              <a:t>Docker</a:t>
-            </a:r>
-            <a:r>
-              <a:rPr lang="en-US" sz="3200" b="1" dirty="0" smtClean="0">
-                <a:solidFill>
-                  <a:srgbClr val="00B050"/>
-                </a:solidFill>
-              </a:rPr>
-              <a:t> Network Types</a:t>
-            </a:r>
-            <a:endParaRPr lang="en-US" sz="3200" b="1" dirty="0">
-              <a:solidFill>
-                <a:srgbClr val="00B050"/>
-              </a:solidFill>
-            </a:endParaRPr>
-          </a:p>
-        </p:txBody>
-      </p:sp>
     </p:spTree>
   </p:cSld>
   <p:clrMapOvr>
@@ -4904,96 +4826,6 @@
           <a:chExt cx="0" cy="0"/>
         </a:xfrm>
       </p:grpSpPr>
-      <p:pic>
-        <p:nvPicPr>
-          <p:cNvPr id="2050" name="Picture 2" descr="C:\Users\surya\Desktop\docker\images (1).png"/>
-          <p:cNvPicPr>
-            <a:picLocks noChangeAspect="1" noChangeArrowheads="1"/>
-          </p:cNvPicPr>
-          <p:nvPr/>
-        </p:nvPicPr>
-        <p:blipFill>
-          <a:blip r:embed="rId2"/>
-          <a:srcRect/>
-          <a:stretch>
-            <a:fillRect/>
-          </a:stretch>
-        </p:blipFill>
-        <p:spPr bwMode="auto">
-          <a:xfrm>
-            <a:off x="228600" y="838200"/>
-            <a:ext cx="8359817" cy="4843462"/>
-          </a:xfrm>
-          <a:prstGeom prst="rect">
-            <a:avLst/>
-          </a:prstGeom>
-          <a:noFill/>
-        </p:spPr>
-      </p:pic>
-      <p:cxnSp>
-        <p:nvCxnSpPr>
-          <p:cNvPr id="7" name="Straight Connector 6"/>
-          <p:cNvCxnSpPr/>
-          <p:nvPr/>
-        </p:nvCxnSpPr>
-        <p:spPr>
-          <a:xfrm rot="10800000" flipV="1">
-            <a:off x="5943600" y="3733800"/>
-            <a:ext cx="914400" cy="381000"/>
-          </a:xfrm>
-          <a:prstGeom prst="line">
-            <a:avLst/>
-          </a:prstGeom>
-        </p:spPr>
-        <p:style>
-          <a:lnRef idx="1">
-            <a:schemeClr val="accent1"/>
-          </a:lnRef>
-          <a:fillRef idx="0">
-            <a:schemeClr val="accent1"/>
-          </a:fillRef>
-          <a:effectRef idx="0">
-            <a:schemeClr val="accent1"/>
-          </a:effectRef>
-          <a:fontRef idx="minor">
-            <a:schemeClr val="tx1"/>
-          </a:fontRef>
-        </p:style>
-      </p:cxnSp>
-      <p:sp>
-        <p:nvSpPr>
-          <p:cNvPr id="8" name="TextBox 7"/>
-          <p:cNvSpPr txBox="1"/>
-          <p:nvPr/>
-        </p:nvSpPr>
-        <p:spPr>
-          <a:xfrm>
-            <a:off x="5410200" y="4191000"/>
-            <a:ext cx="1107996" cy="369332"/>
-          </a:xfrm>
-          <a:prstGeom prst="rect">
-            <a:avLst/>
-          </a:prstGeom>
-          <a:noFill/>
-        </p:spPr>
-        <p:txBody>
-          <a:bodyPr wrap="none" rtlCol="0">
-            <a:spAutoFit/>
-          </a:bodyPr>
-          <a:lstStyle/>
-          <a:p>
-            <a:r>
-              <a:rPr lang="en-US" b="1" dirty="0" err="1" smtClean="0"/>
-              <a:t>Macvlan</a:t>
-            </a:r>
-            <a:r>
-              <a:rPr lang="en-US" b="1" dirty="0" smtClean="0"/>
-              <a:t>	</a:t>
-            </a:r>
-            <a:endParaRPr lang="en-US" b="1" dirty="0"/>
-          </a:p>
-        </p:txBody>
-      </p:sp>
     </p:spTree>
   </p:cSld>
   <p:clrMapOvr>
@@ -5019,236 +4851,6 @@
           <a:chExt cx="0" cy="0"/>
         </a:xfrm>
       </p:grpSpPr>
-      <p:pic>
-        <p:nvPicPr>
-          <p:cNvPr id="3075" name="Picture 3" descr="C:\Users\surya\Desktop\docker\br.PNG"/>
-          <p:cNvPicPr>
-            <a:picLocks noChangeAspect="1" noChangeArrowheads="1"/>
-          </p:cNvPicPr>
-          <p:nvPr/>
-        </p:nvPicPr>
-        <p:blipFill>
-          <a:blip r:embed="rId2"/>
-          <a:srcRect/>
-          <a:stretch>
-            <a:fillRect/>
-          </a:stretch>
-        </p:blipFill>
-        <p:spPr bwMode="auto">
-          <a:xfrm>
-            <a:off x="304800" y="1371600"/>
-            <a:ext cx="8562356" cy="4294922"/>
-          </a:xfrm>
-          <a:prstGeom prst="rect">
-            <a:avLst/>
-          </a:prstGeom>
-          <a:noFill/>
-        </p:spPr>
-      </p:pic>
-    </p:spTree>
-  </p:cSld>
-  <p:clrMapOvr>
-    <a:masterClrMapping/>
-  </p:clrMapOvr>
-</p:sld>
-</file>
-
-<file path=ppt/slides/slide26.xml><?xml version="1.0" encoding="utf-8"?>
-<p:sld xmlns:a="http://schemas.openxmlformats.org/drawingml/2006/main" xmlns:r="http://schemas.openxmlformats.org/officeDocument/2006/relationships" xmlns:p="http://schemas.openxmlformats.org/presentationml/2006/main">
-  <p:cSld>
-    <p:spTree>
-      <p:nvGrpSpPr>
-        <p:cNvPr id="1" name=""/>
-        <p:cNvGrpSpPr/>
-        <p:nvPr/>
-      </p:nvGrpSpPr>
-      <p:grpSpPr>
-        <a:xfrm>
-          <a:off x="0" y="0"/>
-          <a:ext cx="0" cy="0"/>
-          <a:chOff x="0" y="0"/>
-          <a:chExt cx="0" cy="0"/>
-        </a:xfrm>
-      </p:grpSpPr>
-      <p:pic>
-        <p:nvPicPr>
-          <p:cNvPr id="4099" name="Picture 3" descr="C:\Users\surya\Desktop\docker\ho.PNG"/>
-          <p:cNvPicPr>
-            <a:picLocks noChangeAspect="1" noChangeArrowheads="1"/>
-          </p:cNvPicPr>
-          <p:nvPr/>
-        </p:nvPicPr>
-        <p:blipFill>
-          <a:blip r:embed="rId2"/>
-          <a:srcRect/>
-          <a:stretch>
-            <a:fillRect/>
-          </a:stretch>
-        </p:blipFill>
-        <p:spPr bwMode="auto">
-          <a:xfrm>
-            <a:off x="209611" y="1143000"/>
-            <a:ext cx="8934389" cy="4438650"/>
-          </a:xfrm>
-          <a:prstGeom prst="rect">
-            <a:avLst/>
-          </a:prstGeom>
-          <a:noFill/>
-        </p:spPr>
-      </p:pic>
-    </p:spTree>
-  </p:cSld>
-  <p:clrMapOvr>
-    <a:masterClrMapping/>
-  </p:clrMapOvr>
-</p:sld>
-</file>
-
-<file path=ppt/slides/slide27.xml><?xml version="1.0" encoding="utf-8"?>
-<p:sld xmlns:a="http://schemas.openxmlformats.org/drawingml/2006/main" xmlns:r="http://schemas.openxmlformats.org/officeDocument/2006/relationships" xmlns:p="http://schemas.openxmlformats.org/presentationml/2006/main">
-  <p:cSld>
-    <p:spTree>
-      <p:nvGrpSpPr>
-        <p:cNvPr id="1" name=""/>
-        <p:cNvGrpSpPr/>
-        <p:nvPr/>
-      </p:nvGrpSpPr>
-      <p:grpSpPr>
-        <a:xfrm>
-          <a:off x="0" y="0"/>
-          <a:ext cx="0" cy="0"/>
-          <a:chOff x="0" y="0"/>
-          <a:chExt cx="0" cy="0"/>
-        </a:xfrm>
-      </p:grpSpPr>
-      <p:pic>
-        <p:nvPicPr>
-          <p:cNvPr id="5122" name="Picture 2" descr="C:\Users\surya\Desktop\docker\no.PNG"/>
-          <p:cNvPicPr>
-            <a:picLocks noChangeAspect="1" noChangeArrowheads="1"/>
-          </p:cNvPicPr>
-          <p:nvPr/>
-        </p:nvPicPr>
-        <p:blipFill>
-          <a:blip r:embed="rId2"/>
-          <a:srcRect/>
-          <a:stretch>
-            <a:fillRect/>
-          </a:stretch>
-        </p:blipFill>
-        <p:spPr bwMode="auto">
-          <a:xfrm>
-            <a:off x="0" y="1295400"/>
-            <a:ext cx="9113221" cy="4552950"/>
-          </a:xfrm>
-          <a:prstGeom prst="rect">
-            <a:avLst/>
-          </a:prstGeom>
-          <a:noFill/>
-        </p:spPr>
-      </p:pic>
-    </p:spTree>
-  </p:cSld>
-  <p:clrMapOvr>
-    <a:masterClrMapping/>
-  </p:clrMapOvr>
-</p:sld>
-</file>
-
-<file path=ppt/slides/slide28.xml><?xml version="1.0" encoding="utf-8"?>
-<p:sld xmlns:a="http://schemas.openxmlformats.org/drawingml/2006/main" xmlns:r="http://schemas.openxmlformats.org/officeDocument/2006/relationships" xmlns:p="http://schemas.openxmlformats.org/presentationml/2006/main">
-  <p:cSld>
-    <p:spTree>
-      <p:nvGrpSpPr>
-        <p:cNvPr id="1" name=""/>
-        <p:cNvGrpSpPr/>
-        <p:nvPr/>
-      </p:nvGrpSpPr>
-      <p:grpSpPr>
-        <a:xfrm>
-          <a:off x="0" y="0"/>
-          <a:ext cx="0" cy="0"/>
-          <a:chOff x="0" y="0"/>
-          <a:chExt cx="0" cy="0"/>
-        </a:xfrm>
-      </p:grpSpPr>
-      <p:pic>
-        <p:nvPicPr>
-          <p:cNvPr id="6147" name="Picture 3" descr="C:\Users\surya\Desktop\docker\ove.PNG"/>
-          <p:cNvPicPr>
-            <a:picLocks noChangeAspect="1" noChangeArrowheads="1"/>
-          </p:cNvPicPr>
-          <p:nvPr/>
-        </p:nvPicPr>
-        <p:blipFill>
-          <a:blip r:embed="rId2"/>
-          <a:srcRect/>
-          <a:stretch>
-            <a:fillRect/>
-          </a:stretch>
-        </p:blipFill>
-        <p:spPr bwMode="auto">
-          <a:xfrm>
-            <a:off x="202394" y="1295400"/>
-            <a:ext cx="8941606" cy="4562475"/>
-          </a:xfrm>
-          <a:prstGeom prst="rect">
-            <a:avLst/>
-          </a:prstGeom>
-          <a:noFill/>
-        </p:spPr>
-      </p:pic>
-    </p:spTree>
-  </p:cSld>
-  <p:clrMapOvr>
-    <a:masterClrMapping/>
-  </p:clrMapOvr>
-</p:sld>
-</file>
-
-<file path=ppt/slides/slide29.xml><?xml version="1.0" encoding="utf-8"?>
-<p:sld xmlns:a="http://schemas.openxmlformats.org/drawingml/2006/main" xmlns:r="http://schemas.openxmlformats.org/officeDocument/2006/relationships" xmlns:p="http://schemas.openxmlformats.org/presentationml/2006/main">
-  <p:cSld>
-    <p:spTree>
-      <p:nvGrpSpPr>
-        <p:cNvPr id="1" name=""/>
-        <p:cNvGrpSpPr/>
-        <p:nvPr/>
-      </p:nvGrpSpPr>
-      <p:grpSpPr>
-        <a:xfrm>
-          <a:off x="0" y="0"/>
-          <a:ext cx="0" cy="0"/>
-          <a:chOff x="0" y="0"/>
-          <a:chExt cx="0" cy="0"/>
-        </a:xfrm>
-      </p:grpSpPr>
-      <p:pic>
-        <p:nvPicPr>
-          <p:cNvPr id="7171" name="Picture 3" descr="C:\Users\surya\Desktop\docker\gat.PNG"/>
-          <p:cNvPicPr>
-            <a:picLocks noChangeAspect="1" noChangeArrowheads="1"/>
-          </p:cNvPicPr>
-          <p:nvPr/>
-        </p:nvPicPr>
-        <p:blipFill>
-          <a:blip r:embed="rId2"/>
-          <a:srcRect/>
-          <a:stretch>
-            <a:fillRect/>
-          </a:stretch>
-        </p:blipFill>
-        <p:spPr bwMode="auto">
-          <a:xfrm>
-            <a:off x="228601" y="1219200"/>
-            <a:ext cx="8915400" cy="4343400"/>
-          </a:xfrm>
-          <a:prstGeom prst="rect">
-            <a:avLst/>
-          </a:prstGeom>
-          <a:noFill/>
-        </p:spPr>
-      </p:pic>
     </p:spTree>
   </p:cSld>
   <p:clrMapOvr>
@@ -5300,82 +4902,6 @@
           <a:noFill/>
         </p:spPr>
       </p:pic>
-    </p:spTree>
-  </p:cSld>
-  <p:clrMapOvr>
-    <a:masterClrMapping/>
-  </p:clrMapOvr>
-</p:sld>
-</file>
-
-<file path=ppt/slides/slide30.xml><?xml version="1.0" encoding="utf-8"?>
-<p:sld xmlns:a="http://schemas.openxmlformats.org/drawingml/2006/main" xmlns:r="http://schemas.openxmlformats.org/officeDocument/2006/relationships" xmlns:p="http://schemas.openxmlformats.org/presentationml/2006/main">
-  <p:cSld>
-    <p:spTree>
-      <p:nvGrpSpPr>
-        <p:cNvPr id="1" name=""/>
-        <p:cNvGrpSpPr/>
-        <p:nvPr/>
-      </p:nvGrpSpPr>
-      <p:grpSpPr>
-        <a:xfrm>
-          <a:off x="0" y="0"/>
-          <a:ext cx="0" cy="0"/>
-          <a:chOff x="0" y="0"/>
-          <a:chExt cx="0" cy="0"/>
-        </a:xfrm>
-      </p:grpSpPr>
-      <p:pic>
-        <p:nvPicPr>
-          <p:cNvPr id="8194" name="Picture 2" descr="C:\Users\surya\Desktop\docker\com.PNG"/>
-          <p:cNvPicPr>
-            <a:picLocks noChangeAspect="1" noChangeArrowheads="1"/>
-          </p:cNvPicPr>
-          <p:nvPr/>
-        </p:nvPicPr>
-        <p:blipFill>
-          <a:blip r:embed="rId2"/>
-          <a:srcRect/>
-          <a:stretch>
-            <a:fillRect/>
-          </a:stretch>
-        </p:blipFill>
-        <p:spPr bwMode="auto">
-          <a:xfrm>
-            <a:off x="304800" y="505567"/>
-            <a:ext cx="8720786" cy="5438033"/>
-          </a:xfrm>
-          <a:prstGeom prst="rect">
-            <a:avLst/>
-          </a:prstGeom>
-          <a:noFill/>
-        </p:spPr>
-      </p:pic>
-    </p:spTree>
-  </p:cSld>
-  <p:clrMapOvr>
-    <a:masterClrMapping/>
-  </p:clrMapOvr>
-</p:sld>
-</file>
-
-<file path=ppt/slides/slide31.xml><?xml version="1.0" encoding="utf-8"?>
-<p:sld xmlns:a="http://schemas.openxmlformats.org/drawingml/2006/main" xmlns:r="http://schemas.openxmlformats.org/officeDocument/2006/relationships" xmlns:p="http://schemas.openxmlformats.org/presentationml/2006/main">
-  <p:cSld>
-    <p:spTree>
-      <p:nvGrpSpPr>
-        <p:cNvPr id="1" name=""/>
-        <p:cNvGrpSpPr/>
-        <p:nvPr/>
-      </p:nvGrpSpPr>
-      <p:grpSpPr>
-        <a:xfrm>
-          <a:off x="0" y="0"/>
-          <a:ext cx="0" cy="0"/>
-          <a:chOff x="0" y="0"/>
-          <a:chExt cx="0" cy="0"/>
-        </a:xfrm>
-      </p:grpSpPr>
     </p:spTree>
   </p:cSld>
   <p:clrMapOvr>
